--- a/Documents/June/kvalifikacijas darbs Kirils Ivanovs DP4-1.pptx
+++ b/Documents/June/kvalifikacijas darbs Kirils Ivanovs DP4-1.pptx
@@ -5,7 +5,7 @@
     <p:sldMasterId id="2147483659" r:id="rId1"/>
   </p:sldMasterIdLst>
   <p:notesMasterIdLst>
-    <p:notesMasterId r:id="rId13"/>
+    <p:notesMasterId r:id="rId12"/>
   </p:notesMasterIdLst>
   <p:sldIdLst>
     <p:sldId id="256" r:id="rId2"/>
@@ -15,27 +15,26 @@
     <p:sldId id="260" r:id="rId6"/>
     <p:sldId id="261" r:id="rId7"/>
     <p:sldId id="262" r:id="rId8"/>
-    <p:sldId id="263" r:id="rId9"/>
-    <p:sldId id="264" r:id="rId10"/>
-    <p:sldId id="265" r:id="rId11"/>
-    <p:sldId id="266" r:id="rId12"/>
+    <p:sldId id="264" r:id="rId9"/>
+    <p:sldId id="265" r:id="rId10"/>
+    <p:sldId id="266" r:id="rId11"/>
   </p:sldIdLst>
   <p:sldSz cx="9144000" cy="5143500" type="screen16x9"/>
   <p:notesSz cx="6858000" cy="9144000"/>
   <p:embeddedFontLst>
     <p:embeddedFont>
-      <p:font typeface="Economica" panose="020B0604020202020204" charset="0"/>
-      <p:regular r:id="rId14"/>
-      <p:bold r:id="rId15"/>
-      <p:italic r:id="rId16"/>
-      <p:boldItalic r:id="rId17"/>
+      <p:font typeface="Open Sans" panose="020B0604020202020204" charset="0"/>
+      <p:regular r:id="rId13"/>
+      <p:bold r:id="rId14"/>
+      <p:italic r:id="rId15"/>
+      <p:boldItalic r:id="rId16"/>
     </p:embeddedFont>
     <p:embeddedFont>
-      <p:font typeface="Open Sans" panose="020B0604020202020204" charset="0"/>
-      <p:regular r:id="rId18"/>
-      <p:bold r:id="rId19"/>
-      <p:italic r:id="rId20"/>
-      <p:boldItalic r:id="rId21"/>
+      <p:font typeface="Economica" panose="020B0604020202020204" charset="0"/>
+      <p:regular r:id="rId17"/>
+      <p:bold r:id="rId18"/>
+      <p:italic r:id="rId19"/>
+      <p:boldItalic r:id="rId20"/>
     </p:embeddedFont>
   </p:embeddedFontLst>
   <p:defaultTextStyle>
@@ -836,110 +835,6 @@
   <p:cSld>
     <p:spTree>
       <p:nvGrpSpPr>
-        <p:cNvPr id="1" name="Shape 125"/>
-        <p:cNvGrpSpPr/>
-        <p:nvPr/>
-      </p:nvGrpSpPr>
-      <p:grpSpPr>
-        <a:xfrm>
-          <a:off x="0" y="0"/>
-          <a:ext cx="0" cy="0"/>
-          <a:chOff x="0" y="0"/>
-          <a:chExt cx="0" cy="0"/>
-        </a:xfrm>
-      </p:grpSpPr>
-      <p:sp>
-        <p:nvSpPr>
-          <p:cNvPr id="126" name="Google Shape;126;g2e54ed2561f_0_159:notes"/>
-          <p:cNvSpPr>
-            <a:spLocks noGrp="1" noRot="1" noChangeAspect="1"/>
-          </p:cNvSpPr>
-          <p:nvPr>
-            <p:ph type="sldImg" idx="2"/>
-          </p:nvPr>
-        </p:nvSpPr>
-        <p:spPr>
-          <a:xfrm>
-            <a:off x="381000" y="685800"/>
-            <a:ext cx="6096000" cy="3429000"/>
-          </a:xfrm>
-          <a:custGeom>
-            <a:avLst/>
-            <a:gdLst/>
-            <a:ahLst/>
-            <a:cxnLst/>
-            <a:rect l="l" t="t" r="r" b="b"/>
-            <a:pathLst>
-              <a:path w="120000" h="120000" extrusionOk="0">
-                <a:moveTo>
-                  <a:pt x="0" y="0"/>
-                </a:moveTo>
-                <a:lnTo>
-                  <a:pt x="120000" y="0"/>
-                </a:lnTo>
-                <a:lnTo>
-                  <a:pt x="120000" y="120000"/>
-                </a:lnTo>
-                <a:lnTo>
-                  <a:pt x="0" y="120000"/>
-                </a:lnTo>
-                <a:close/>
-              </a:path>
-            </a:pathLst>
-          </a:custGeom>
-        </p:spPr>
-      </p:sp>
-      <p:sp>
-        <p:nvSpPr>
-          <p:cNvPr id="127" name="Google Shape;127;g2e54ed2561f_0_159:notes"/>
-          <p:cNvSpPr txBox="1">
-            <a:spLocks noGrp="1"/>
-          </p:cNvSpPr>
-          <p:nvPr>
-            <p:ph type="body" idx="1"/>
-          </p:nvPr>
-        </p:nvSpPr>
-        <p:spPr>
-          <a:xfrm>
-            <a:off x="685800" y="4343400"/>
-            <a:ext cx="5486400" cy="4114800"/>
-          </a:xfrm>
-          <a:prstGeom prst="rect">
-            <a:avLst/>
-          </a:prstGeom>
-        </p:spPr>
-        <p:txBody>
-          <a:bodyPr spcFirstLastPara="1" wrap="square" lIns="91425" tIns="91425" rIns="91425" bIns="91425" anchor="t" anchorCtr="0">
-            <a:noAutofit/>
-          </a:bodyPr>
-          <a:lstStyle/>
-          <a:p>
-            <a:pPr marL="0" lvl="0" indent="0" algn="l" rtl="0">
-              <a:spcBef>
-                <a:spcPts val="0"/>
-              </a:spcBef>
-              <a:spcAft>
-                <a:spcPts val="0"/>
-              </a:spcAft>
-              <a:buNone/>
-            </a:pPr>
-            <a:endParaRPr/>
-          </a:p>
-        </p:txBody>
-      </p:sp>
-    </p:spTree>
-  </p:cSld>
-  <p:clrMapOvr>
-    <a:masterClrMapping/>
-  </p:clrMapOvr>
-</p:notes>
-</file>
-
-<file path=ppt/notesSlides/notesSlide11.xml><?xml version="1.0" encoding="utf-8"?>
-<p:notes xmlns:a="http://schemas.openxmlformats.org/drawingml/2006/main" xmlns:r="http://schemas.openxmlformats.org/officeDocument/2006/relationships" xmlns:p="http://schemas.openxmlformats.org/presentationml/2006/main" showMasterSp="0" showMasterPhAnim="0">
-  <p:cSld>
-    <p:spTree>
-      <p:nvGrpSpPr>
         <p:cNvPr id="1" name="Shape 131"/>
         <p:cNvGrpSpPr/>
         <p:nvPr/>
@@ -1668,110 +1563,6 @@
   <p:cSld>
     <p:spTree>
       <p:nvGrpSpPr>
-        <p:cNvPr id="1" name="Shape 113"/>
-        <p:cNvGrpSpPr/>
-        <p:nvPr/>
-      </p:nvGrpSpPr>
-      <p:grpSpPr>
-        <a:xfrm>
-          <a:off x="0" y="0"/>
-          <a:ext cx="0" cy="0"/>
-          <a:chOff x="0" y="0"/>
-          <a:chExt cx="0" cy="0"/>
-        </a:xfrm>
-      </p:grpSpPr>
-      <p:sp>
-        <p:nvSpPr>
-          <p:cNvPr id="114" name="Google Shape;114;g2e54ed2561f_0_83:notes"/>
-          <p:cNvSpPr>
-            <a:spLocks noGrp="1" noRot="1" noChangeAspect="1"/>
-          </p:cNvSpPr>
-          <p:nvPr>
-            <p:ph type="sldImg" idx="2"/>
-          </p:nvPr>
-        </p:nvSpPr>
-        <p:spPr>
-          <a:xfrm>
-            <a:off x="381000" y="685800"/>
-            <a:ext cx="6096000" cy="3429000"/>
-          </a:xfrm>
-          <a:custGeom>
-            <a:avLst/>
-            <a:gdLst/>
-            <a:ahLst/>
-            <a:cxnLst/>
-            <a:rect l="l" t="t" r="r" b="b"/>
-            <a:pathLst>
-              <a:path w="120000" h="120000" extrusionOk="0">
-                <a:moveTo>
-                  <a:pt x="0" y="0"/>
-                </a:moveTo>
-                <a:lnTo>
-                  <a:pt x="120000" y="0"/>
-                </a:lnTo>
-                <a:lnTo>
-                  <a:pt x="120000" y="120000"/>
-                </a:lnTo>
-                <a:lnTo>
-                  <a:pt x="0" y="120000"/>
-                </a:lnTo>
-                <a:close/>
-              </a:path>
-            </a:pathLst>
-          </a:custGeom>
-        </p:spPr>
-      </p:sp>
-      <p:sp>
-        <p:nvSpPr>
-          <p:cNvPr id="115" name="Google Shape;115;g2e54ed2561f_0_83:notes"/>
-          <p:cNvSpPr txBox="1">
-            <a:spLocks noGrp="1"/>
-          </p:cNvSpPr>
-          <p:nvPr>
-            <p:ph type="body" idx="1"/>
-          </p:nvPr>
-        </p:nvSpPr>
-        <p:spPr>
-          <a:xfrm>
-            <a:off x="685800" y="4343400"/>
-            <a:ext cx="5486400" cy="4114800"/>
-          </a:xfrm>
-          <a:prstGeom prst="rect">
-            <a:avLst/>
-          </a:prstGeom>
-        </p:spPr>
-        <p:txBody>
-          <a:bodyPr spcFirstLastPara="1" wrap="square" lIns="91425" tIns="91425" rIns="91425" bIns="91425" anchor="t" anchorCtr="0">
-            <a:noAutofit/>
-          </a:bodyPr>
-          <a:lstStyle/>
-          <a:p>
-            <a:pPr marL="0" lvl="0" indent="0" algn="l" rtl="0">
-              <a:spcBef>
-                <a:spcPts val="0"/>
-              </a:spcBef>
-              <a:spcAft>
-                <a:spcPts val="0"/>
-              </a:spcAft>
-              <a:buNone/>
-            </a:pPr>
-            <a:endParaRPr/>
-          </a:p>
-        </p:txBody>
-      </p:sp>
-    </p:spTree>
-  </p:cSld>
-  <p:clrMapOvr>
-    <a:masterClrMapping/>
-  </p:clrMapOvr>
-</p:notes>
-</file>
-
-<file path=ppt/notesSlides/notesSlide9.xml><?xml version="1.0" encoding="utf-8"?>
-<p:notes xmlns:a="http://schemas.openxmlformats.org/drawingml/2006/main" xmlns:r="http://schemas.openxmlformats.org/officeDocument/2006/relationships" xmlns:p="http://schemas.openxmlformats.org/presentationml/2006/main" showMasterSp="0" showMasterPhAnim="0">
-  <p:cSld>
-    <p:spTree>
-      <p:nvGrpSpPr>
         <p:cNvPr id="1" name="Shape 119"/>
         <p:cNvGrpSpPr/>
         <p:nvPr/>
@@ -1828,6 +1619,110 @@
       <p:sp>
         <p:nvSpPr>
           <p:cNvPr id="121" name="Google Shape;121;g2e54ed2561f_0_88:notes"/>
+          <p:cNvSpPr txBox="1">
+            <a:spLocks noGrp="1"/>
+          </p:cNvSpPr>
+          <p:nvPr>
+            <p:ph type="body" idx="1"/>
+          </p:nvPr>
+        </p:nvSpPr>
+        <p:spPr>
+          <a:xfrm>
+            <a:off x="685800" y="4343400"/>
+            <a:ext cx="5486400" cy="4114800"/>
+          </a:xfrm>
+          <a:prstGeom prst="rect">
+            <a:avLst/>
+          </a:prstGeom>
+        </p:spPr>
+        <p:txBody>
+          <a:bodyPr spcFirstLastPara="1" wrap="square" lIns="91425" tIns="91425" rIns="91425" bIns="91425" anchor="t" anchorCtr="0">
+            <a:noAutofit/>
+          </a:bodyPr>
+          <a:lstStyle/>
+          <a:p>
+            <a:pPr marL="0" lvl="0" indent="0" algn="l" rtl="0">
+              <a:spcBef>
+                <a:spcPts val="0"/>
+              </a:spcBef>
+              <a:spcAft>
+                <a:spcPts val="0"/>
+              </a:spcAft>
+              <a:buNone/>
+            </a:pPr>
+            <a:endParaRPr/>
+          </a:p>
+        </p:txBody>
+      </p:sp>
+    </p:spTree>
+  </p:cSld>
+  <p:clrMapOvr>
+    <a:masterClrMapping/>
+  </p:clrMapOvr>
+</p:notes>
+</file>
+
+<file path=ppt/notesSlides/notesSlide9.xml><?xml version="1.0" encoding="utf-8"?>
+<p:notes xmlns:a="http://schemas.openxmlformats.org/drawingml/2006/main" xmlns:r="http://schemas.openxmlformats.org/officeDocument/2006/relationships" xmlns:p="http://schemas.openxmlformats.org/presentationml/2006/main" showMasterSp="0" showMasterPhAnim="0">
+  <p:cSld>
+    <p:spTree>
+      <p:nvGrpSpPr>
+        <p:cNvPr id="1" name="Shape 125"/>
+        <p:cNvGrpSpPr/>
+        <p:nvPr/>
+      </p:nvGrpSpPr>
+      <p:grpSpPr>
+        <a:xfrm>
+          <a:off x="0" y="0"/>
+          <a:ext cx="0" cy="0"/>
+          <a:chOff x="0" y="0"/>
+          <a:chExt cx="0" cy="0"/>
+        </a:xfrm>
+      </p:grpSpPr>
+      <p:sp>
+        <p:nvSpPr>
+          <p:cNvPr id="126" name="Google Shape;126;g2e54ed2561f_0_159:notes"/>
+          <p:cNvSpPr>
+            <a:spLocks noGrp="1" noRot="1" noChangeAspect="1"/>
+          </p:cNvSpPr>
+          <p:nvPr>
+            <p:ph type="sldImg" idx="2"/>
+          </p:nvPr>
+        </p:nvSpPr>
+        <p:spPr>
+          <a:xfrm>
+            <a:off x="381000" y="685800"/>
+            <a:ext cx="6096000" cy="3429000"/>
+          </a:xfrm>
+          <a:custGeom>
+            <a:avLst/>
+            <a:gdLst/>
+            <a:ahLst/>
+            <a:cxnLst/>
+            <a:rect l="l" t="t" r="r" b="b"/>
+            <a:pathLst>
+              <a:path w="120000" h="120000" extrusionOk="0">
+                <a:moveTo>
+                  <a:pt x="0" y="0"/>
+                </a:moveTo>
+                <a:lnTo>
+                  <a:pt x="120000" y="0"/>
+                </a:lnTo>
+                <a:lnTo>
+                  <a:pt x="120000" y="120000"/>
+                </a:lnTo>
+                <a:lnTo>
+                  <a:pt x="0" y="120000"/>
+                </a:lnTo>
+                <a:close/>
+              </a:path>
+            </a:pathLst>
+          </a:custGeom>
+        </p:spPr>
+      </p:sp>
+      <p:sp>
+        <p:nvSpPr>
+          <p:cNvPr id="127" name="Google Shape;127;g2e54ed2561f_0_159:notes"/>
           <p:cNvSpPr txBox="1">
             <a:spLocks noGrp="1"/>
           </p:cNvSpPr>
@@ -7711,112 +7606,6 @@
   <p:cSld>
     <p:spTree>
       <p:nvGrpSpPr>
-        <p:cNvPr id="1" name="Shape 128"/>
-        <p:cNvGrpSpPr/>
-        <p:nvPr/>
-      </p:nvGrpSpPr>
-      <p:grpSpPr>
-        <a:xfrm>
-          <a:off x="0" y="0"/>
-          <a:ext cx="0" cy="0"/>
-          <a:chOff x="0" y="0"/>
-          <a:chExt cx="0" cy="0"/>
-        </a:xfrm>
-      </p:grpSpPr>
-      <p:sp>
-        <p:nvSpPr>
-          <p:cNvPr id="129" name="Google Shape;129;p22"/>
-          <p:cNvSpPr txBox="1">
-            <a:spLocks noGrp="1"/>
-          </p:cNvSpPr>
-          <p:nvPr>
-            <p:ph type="title"/>
-          </p:nvPr>
-        </p:nvSpPr>
-        <p:spPr>
-          <a:xfrm>
-            <a:off x="311700" y="315925"/>
-            <a:ext cx="8520600" cy="831300"/>
-          </a:xfrm>
-          <a:prstGeom prst="rect">
-            <a:avLst/>
-          </a:prstGeom>
-        </p:spPr>
-        <p:txBody>
-          <a:bodyPr spcFirstLastPara="1" wrap="square" lIns="91425" tIns="91425" rIns="91425" bIns="91425" anchor="b" anchorCtr="0">
-            <a:normAutofit/>
-          </a:bodyPr>
-          <a:lstStyle/>
-          <a:p>
-            <a:pPr marL="0" lvl="0" indent="0" algn="l" rtl="0">
-              <a:lnSpc>
-                <a:spcPct val="115000"/>
-              </a:lnSpc>
-              <a:spcBef>
-                <a:spcPts val="0"/>
-              </a:spcBef>
-              <a:spcAft>
-                <a:spcPts val="0"/>
-              </a:spcAft>
-              <a:buNone/>
-            </a:pPr>
-            <a:r>
-              <a:rPr lang="ru" sz="3200" b="1">
-                <a:solidFill>
-                  <a:srgbClr val="191919"/>
-                </a:solidFill>
-                <a:latin typeface="Arial"/>
-                <a:ea typeface="Arial"/>
-                <a:cs typeface="Arial"/>
-                <a:sym typeface="Arial"/>
-              </a:rPr>
-              <a:t>Mājas lapas izskats</a:t>
-            </a:r>
-            <a:endParaRPr/>
-          </a:p>
-        </p:txBody>
-      </p:sp>
-      <p:pic>
-        <p:nvPicPr>
-          <p:cNvPr id="130" name="Google Shape;130;p22"/>
-          <p:cNvPicPr preferRelativeResize="0"/>
-          <p:nvPr/>
-        </p:nvPicPr>
-        <p:blipFill>
-          <a:blip r:embed="rId3">
-            <a:alphaModFix/>
-          </a:blip>
-          <a:stretch>
-            <a:fillRect/>
-          </a:stretch>
-        </p:blipFill>
-        <p:spPr>
-          <a:xfrm>
-            <a:off x="182050" y="1311775"/>
-            <a:ext cx="8809549" cy="3609000"/>
-          </a:xfrm>
-          <a:prstGeom prst="rect">
-            <a:avLst/>
-          </a:prstGeom>
-          <a:noFill/>
-          <a:ln>
-            <a:noFill/>
-          </a:ln>
-        </p:spPr>
-      </p:pic>
-    </p:spTree>
-  </p:cSld>
-  <p:clrMapOvr>
-    <a:masterClrMapping/>
-  </p:clrMapOvr>
-</p:sld>
-</file>
-
-<file path=ppt/slides/slide11.xml><?xml version="1.0" encoding="utf-8"?>
-<p:sld xmlns:a="http://schemas.openxmlformats.org/drawingml/2006/main" xmlns:r="http://schemas.openxmlformats.org/officeDocument/2006/relationships" xmlns:p="http://schemas.openxmlformats.org/presentationml/2006/main">
-  <p:cSld>
-    <p:spTree>
-      <p:nvGrpSpPr>
         <p:cNvPr id="1" name="Shape 134"/>
         <p:cNvGrpSpPr/>
         <p:nvPr/>
@@ -7939,7 +7728,7 @@
               <a:buNone/>
             </a:pPr>
             <a:r>
-              <a:rPr lang="ru" sz="3200" b="1">
+              <a:rPr lang="ru" sz="3200" b="1" dirty="0">
                 <a:solidFill>
                   <a:srgbClr val="191919"/>
                 </a:solidFill>
@@ -7950,7 +7739,7 @@
               </a:rPr>
               <a:t>Uzdevuma nostādne</a:t>
             </a:r>
-            <a:endParaRPr/>
+            <a:endParaRPr dirty="0"/>
           </a:p>
         </p:txBody>
       </p:sp>
@@ -7991,7 +7780,7 @@
               <a:buChar char="●"/>
             </a:pPr>
             <a:r>
-              <a:rPr lang="ru" sz="2400">
+              <a:rPr lang="ru" sz="2400" dirty="0" smtClean="0">
                 <a:latin typeface="Arial"/>
                 <a:ea typeface="Arial"/>
                 <a:cs typeface="Arial"/>
@@ -7999,7 +7788,7 @@
               </a:rPr>
               <a:t>Izveidot platformu ērtai un efektīvai kvestu telpu rezervēšanai tiešsaistē.</a:t>
             </a:r>
-            <a:endParaRPr sz="2400">
+            <a:endParaRPr sz="2400" dirty="0" smtClean="0">
               <a:latin typeface="Arial"/>
               <a:ea typeface="Arial"/>
               <a:cs typeface="Arial"/>
@@ -8019,7 +7808,7 @@
               <a:buChar char="●"/>
             </a:pPr>
             <a:r>
-              <a:rPr lang="ru" sz="2400">
+              <a:rPr lang="ru" sz="2400" dirty="0" smtClean="0">
                 <a:latin typeface="Arial"/>
                 <a:ea typeface="Arial"/>
                 <a:cs typeface="Arial"/>
@@ -8027,7 +7816,7 @@
               </a:rPr>
               <a:t>Nodrošināt lietotājiem vieglu piekļuvi informācijai par kvestu telpām un to pieejamību.</a:t>
             </a:r>
-            <a:endParaRPr sz="2400">
+            <a:endParaRPr sz="2400" dirty="0" smtClean="0">
               <a:latin typeface="Arial"/>
               <a:ea typeface="Arial"/>
               <a:cs typeface="Arial"/>
@@ -8047,7 +7836,7 @@
               <a:buChar char="●"/>
             </a:pPr>
             <a:r>
-              <a:rPr lang="ru" sz="2400">
+              <a:rPr lang="ru" sz="2400" dirty="0" smtClean="0">
                 <a:latin typeface="Arial"/>
                 <a:ea typeface="Arial"/>
                 <a:cs typeface="Arial"/>
@@ -8055,7 +7844,7 @@
               </a:rPr>
               <a:t>Uzlabot lietotāja pieredzi ar atsauksmju sistēmu.</a:t>
             </a:r>
-            <a:endParaRPr sz="2400">
+            <a:endParaRPr sz="2400" dirty="0" smtClean="0">
               <a:latin typeface="Arial"/>
               <a:ea typeface="Arial"/>
               <a:cs typeface="Arial"/>
@@ -8072,7 +7861,7 @@
               </a:spcAft>
               <a:buNone/>
             </a:pPr>
-            <a:endParaRPr sz="2400">
+            <a:endParaRPr sz="2400" dirty="0">
               <a:latin typeface="Arial"/>
               <a:ea typeface="Arial"/>
               <a:cs typeface="Arial"/>
@@ -8194,14 +7983,14 @@
               <a:buNone/>
             </a:pPr>
             <a:r>
-              <a:rPr lang="ru" sz="2400" b="1">
+              <a:rPr lang="ru" sz="2400" b="1" dirty="0">
                 <a:solidFill>
                   <a:srgbClr val="191919"/>
                 </a:solidFill>
               </a:rPr>
               <a:t>Lietotāja daļā  tika izmantots:</a:t>
             </a:r>
-            <a:endParaRPr sz="2400" b="1">
+            <a:endParaRPr sz="2400" b="1" dirty="0">
               <a:solidFill>
                 <a:srgbClr val="191919"/>
               </a:solidFill>
@@ -8225,14 +8014,14 @@
               <a:buChar char="●"/>
             </a:pPr>
             <a:r>
-              <a:rPr lang="ru" sz="2400" b="1">
+              <a:rPr lang="ru" sz="2400" b="1" dirty="0">
                 <a:solidFill>
                   <a:srgbClr val="191919"/>
                 </a:solidFill>
               </a:rPr>
               <a:t>HTML</a:t>
             </a:r>
-            <a:endParaRPr sz="2400" b="1">
+            <a:endParaRPr sz="2400" b="1" dirty="0">
               <a:solidFill>
                 <a:srgbClr val="191919"/>
               </a:solidFill>
@@ -8256,14 +8045,14 @@
               <a:buChar char="●"/>
             </a:pPr>
             <a:r>
-              <a:rPr lang="ru" sz="2400" b="1">
+              <a:rPr lang="ru" sz="2400" b="1" dirty="0">
                 <a:solidFill>
                   <a:srgbClr val="191919"/>
                 </a:solidFill>
               </a:rPr>
               <a:t>CSS</a:t>
             </a:r>
-            <a:endParaRPr sz="2400" b="1">
+            <a:endParaRPr sz="2400" b="1" dirty="0">
               <a:solidFill>
                 <a:srgbClr val="191919"/>
               </a:solidFill>
@@ -8287,14 +8076,14 @@
               <a:buChar char="●"/>
             </a:pPr>
             <a:r>
-              <a:rPr lang="ru" sz="2400" b="1">
+              <a:rPr lang="ru" sz="2400" b="1" dirty="0">
                 <a:solidFill>
                   <a:srgbClr val="191919"/>
                 </a:solidFill>
               </a:rPr>
               <a:t>JavaScript</a:t>
             </a:r>
-            <a:endParaRPr sz="2400" b="1">
+            <a:endParaRPr sz="2400" b="1" dirty="0">
               <a:solidFill>
                 <a:srgbClr val="191919"/>
               </a:solidFill>
@@ -8318,14 +8107,14 @@
               <a:buChar char="●"/>
             </a:pPr>
             <a:r>
-              <a:rPr lang="ru" sz="2400" b="1">
+              <a:rPr lang="ru" sz="2400" b="1" dirty="0">
                 <a:solidFill>
                   <a:srgbClr val="191919"/>
                 </a:solidFill>
               </a:rPr>
               <a:t>Bootstrap</a:t>
             </a:r>
-            <a:endParaRPr sz="2400" b="1">
+            <a:endParaRPr sz="2400" b="1" dirty="0">
               <a:solidFill>
                 <a:srgbClr val="191919"/>
               </a:solidFill>
@@ -8344,7 +8133,7 @@
               </a:spcAft>
               <a:buNone/>
             </a:pPr>
-            <a:endParaRPr sz="2400" b="1">
+            <a:endParaRPr sz="2400" b="1" dirty="0">
               <a:solidFill>
                 <a:srgbClr val="191919"/>
               </a:solidFill>
@@ -9357,117 +9146,6 @@
   <p:cSld>
     <p:spTree>
       <p:nvGrpSpPr>
-        <p:cNvPr id="1" name="Shape 116"/>
-        <p:cNvGrpSpPr/>
-        <p:nvPr/>
-      </p:nvGrpSpPr>
-      <p:grpSpPr>
-        <a:xfrm>
-          <a:off x="0" y="0"/>
-          <a:ext cx="0" cy="0"/>
-          <a:chOff x="0" y="0"/>
-          <a:chExt cx="0" cy="0"/>
-        </a:xfrm>
-      </p:grpSpPr>
-      <p:sp>
-        <p:nvSpPr>
-          <p:cNvPr id="117" name="Google Shape;117;p20"/>
-          <p:cNvSpPr txBox="1">
-            <a:spLocks noGrp="1"/>
-          </p:cNvSpPr>
-          <p:nvPr>
-            <p:ph type="title"/>
-          </p:nvPr>
-        </p:nvSpPr>
-        <p:spPr>
-          <a:xfrm>
-            <a:off x="332900" y="-39975"/>
-            <a:ext cx="8520600" cy="831300"/>
-          </a:xfrm>
-          <a:prstGeom prst="rect">
-            <a:avLst/>
-          </a:prstGeom>
-        </p:spPr>
-        <p:txBody>
-          <a:bodyPr spcFirstLastPara="1" wrap="square" lIns="91425" tIns="91425" rIns="91425" bIns="91425" anchor="b" anchorCtr="0">
-            <a:normAutofit fontScale="90000"/>
-          </a:bodyPr>
-          <a:lstStyle/>
-          <a:p>
-            <a:pPr marL="0" lvl="0" indent="0" algn="l" rtl="0">
-              <a:lnSpc>
-                <a:spcPct val="115000"/>
-              </a:lnSpc>
-              <a:spcBef>
-                <a:spcPts val="0"/>
-              </a:spcBef>
-              <a:spcAft>
-                <a:spcPts val="0"/>
-              </a:spcAft>
-              <a:buClr>
-                <a:schemeClr val="dk1"/>
-              </a:buClr>
-              <a:buSzPct val="34375"/>
-              <a:buFont typeface="Arial"/>
-              <a:buNone/>
-            </a:pPr>
-            <a:r>
-              <a:rPr lang="ru" sz="3200" b="1">
-                <a:solidFill>
-                  <a:srgbClr val="191919"/>
-                </a:solidFill>
-                <a:latin typeface="Arial"/>
-                <a:ea typeface="Arial"/>
-                <a:cs typeface="Arial"/>
-                <a:sym typeface="Arial"/>
-              </a:rPr>
-              <a:t>Lietotāju rediģēšana datu plūsmu diagramma</a:t>
-            </a:r>
-            <a:endParaRPr/>
-          </a:p>
-        </p:txBody>
-      </p:sp>
-      <p:pic>
-        <p:nvPicPr>
-          <p:cNvPr id="118" name="Google Shape;118;p20"/>
-          <p:cNvPicPr preferRelativeResize="0"/>
-          <p:nvPr/>
-        </p:nvPicPr>
-        <p:blipFill>
-          <a:blip r:embed="rId3">
-            <a:alphaModFix/>
-          </a:blip>
-          <a:stretch>
-            <a:fillRect/>
-          </a:stretch>
-        </p:blipFill>
-        <p:spPr>
-          <a:xfrm>
-            <a:off x="1529900" y="667775"/>
-            <a:ext cx="6026725" cy="4339975"/>
-          </a:xfrm>
-          <a:prstGeom prst="rect">
-            <a:avLst/>
-          </a:prstGeom>
-          <a:noFill/>
-          <a:ln>
-            <a:noFill/>
-          </a:ln>
-        </p:spPr>
-      </p:pic>
-    </p:spTree>
-  </p:cSld>
-  <p:clrMapOvr>
-    <a:masterClrMapping/>
-  </p:clrMapOvr>
-</p:sld>
-</file>
-
-<file path=ppt/slides/slide9.xml><?xml version="1.0" encoding="utf-8"?>
-<p:sld xmlns:a="http://schemas.openxmlformats.org/drawingml/2006/main" xmlns:r="http://schemas.openxmlformats.org/officeDocument/2006/relationships" xmlns:p="http://schemas.openxmlformats.org/presentationml/2006/main">
-  <p:cSld>
-    <p:spTree>
-      <p:nvGrpSpPr>
         <p:cNvPr id="1" name="Shape 122"/>
         <p:cNvGrpSpPr/>
         <p:nvPr/>
@@ -9551,6 +9229,112 @@
           <a:xfrm>
             <a:off x="1890250" y="704850"/>
             <a:ext cx="5363500" cy="4303049"/>
+          </a:xfrm>
+          <a:prstGeom prst="rect">
+            <a:avLst/>
+          </a:prstGeom>
+          <a:noFill/>
+          <a:ln>
+            <a:noFill/>
+          </a:ln>
+        </p:spPr>
+      </p:pic>
+    </p:spTree>
+  </p:cSld>
+  <p:clrMapOvr>
+    <a:masterClrMapping/>
+  </p:clrMapOvr>
+</p:sld>
+</file>
+
+<file path=ppt/slides/slide9.xml><?xml version="1.0" encoding="utf-8"?>
+<p:sld xmlns:a="http://schemas.openxmlformats.org/drawingml/2006/main" xmlns:r="http://schemas.openxmlformats.org/officeDocument/2006/relationships" xmlns:p="http://schemas.openxmlformats.org/presentationml/2006/main">
+  <p:cSld>
+    <p:spTree>
+      <p:nvGrpSpPr>
+        <p:cNvPr id="1" name="Shape 128"/>
+        <p:cNvGrpSpPr/>
+        <p:nvPr/>
+      </p:nvGrpSpPr>
+      <p:grpSpPr>
+        <a:xfrm>
+          <a:off x="0" y="0"/>
+          <a:ext cx="0" cy="0"/>
+          <a:chOff x="0" y="0"/>
+          <a:chExt cx="0" cy="0"/>
+        </a:xfrm>
+      </p:grpSpPr>
+      <p:sp>
+        <p:nvSpPr>
+          <p:cNvPr id="129" name="Google Shape;129;p22"/>
+          <p:cNvSpPr txBox="1">
+            <a:spLocks noGrp="1"/>
+          </p:cNvSpPr>
+          <p:nvPr>
+            <p:ph type="title"/>
+          </p:nvPr>
+        </p:nvSpPr>
+        <p:spPr>
+          <a:xfrm>
+            <a:off x="311700" y="315925"/>
+            <a:ext cx="8520600" cy="831300"/>
+          </a:xfrm>
+          <a:prstGeom prst="rect">
+            <a:avLst/>
+          </a:prstGeom>
+        </p:spPr>
+        <p:txBody>
+          <a:bodyPr spcFirstLastPara="1" wrap="square" lIns="91425" tIns="91425" rIns="91425" bIns="91425" anchor="b" anchorCtr="0">
+            <a:normAutofit/>
+          </a:bodyPr>
+          <a:lstStyle/>
+          <a:p>
+            <a:pPr marL="0" lvl="0" indent="0" algn="l" rtl="0">
+              <a:lnSpc>
+                <a:spcPct val="115000"/>
+              </a:lnSpc>
+              <a:spcBef>
+                <a:spcPts val="0"/>
+              </a:spcBef>
+              <a:spcAft>
+                <a:spcPts val="0"/>
+              </a:spcAft>
+              <a:buNone/>
+            </a:pPr>
+            <a:r>
+              <a:rPr lang="ru" sz="3200" b="1">
+                <a:solidFill>
+                  <a:srgbClr val="191919"/>
+                </a:solidFill>
+                <a:latin typeface="Arial"/>
+                <a:ea typeface="Arial"/>
+                <a:cs typeface="Arial"/>
+                <a:sym typeface="Arial"/>
+              </a:rPr>
+              <a:t>Mājas lapas izskats</a:t>
+            </a:r>
+            <a:endParaRPr/>
+          </a:p>
+        </p:txBody>
+      </p:sp>
+      <p:pic>
+        <p:nvPicPr>
+          <p:cNvPr id="130" name="Google Shape;130;p22"/>
+          <p:cNvPicPr preferRelativeResize="0"/>
+          <p:nvPr/>
+        </p:nvPicPr>
+        <p:blipFill>
+          <a:blip r:embed="rId3">
+            <a:alphaModFix/>
+          </a:blip>
+          <a:stretch>
+            <a:fillRect/>
+          </a:stretch>
+        </p:blipFill>
+        <p:spPr>
+          <a:xfrm>
+            <a:off x="182050" y="1311775"/>
+            <a:ext cx="8809549" cy="3609000"/>
           </a:xfrm>
           <a:prstGeom prst="rect">
             <a:avLst/>
